--- a/Lesson9-Classes/Lesson9 - Classes.pptx
+++ b/Lesson9-Classes/Lesson9 - Classes.pptx
@@ -2869,7 +2869,7 @@
           <a:p>
             <a:fld id="{1DD4402E-2714-4F60-8F6B-D0DE2235143B}" type="datetimeFigureOut">
               <a:rPr lang="el-GR" smtClean="0"/>
-              <a:t>27/2/2021</a:t>
+              <a:t>1/3/2021</a:t>
             </a:fld>
             <a:endParaRPr lang="el-GR"/>
           </a:p>
@@ -7253,6 +7253,41 @@
           </a:prstGeom>
         </p:spPr>
       </p:pic>
+      <p:pic>
+        <p:nvPicPr>
+          <p:cNvPr id="10" name="Εικόνα 9">
+            <a:hlinkClick r:id="rId7"/>
+            <a:extLst>
+              <a:ext uri="{FF2B5EF4-FFF2-40B4-BE49-F238E27FC236}">
+                <a16:creationId xmlns:a16="http://schemas.microsoft.com/office/drawing/2014/main" id="{C6CACAD5-BD0A-4113-A4C9-6FAC32DA5114}"/>
+              </a:ext>
+            </a:extLst>
+          </p:cNvPr>
+          <p:cNvPicPr/>
+          <p:nvPr userDrawn="1"/>
+        </p:nvPicPr>
+        <p:blipFill>
+          <a:blip r:embed="rId8">
+            <a:extLst>
+              <a:ext uri="{28A0092B-C50C-407E-A947-70E740481C1C}">
+                <a14:useLocalDpi xmlns:a14="http://schemas.microsoft.com/office/drawing/2010/main" val="0"/>
+              </a:ext>
+            </a:extLst>
+          </a:blip>
+          <a:stretch>
+            <a:fillRect/>
+          </a:stretch>
+        </p:blipFill>
+        <p:spPr>
+          <a:xfrm>
+            <a:off x="336442" y="6453103"/>
+            <a:ext cx="838200" cy="295275"/>
+          </a:xfrm>
+          <a:prstGeom prst="rect">
+            <a:avLst/>
+          </a:prstGeom>
+        </p:spPr>
+      </p:pic>
     </p:spTree>
     <p:extLst>
       <p:ext uri="{BB962C8B-B14F-4D97-AF65-F5344CB8AC3E}">
@@ -7453,7 +7488,7 @@
           <a:p>
             <a:fld id="{86F0BDD2-2FE9-4947-8A0F-347E40919148}" type="datetimeFigureOut">
               <a:rPr lang="el-GR" smtClean="0"/>
-              <a:t>27/2/2021</a:t>
+              <a:t>1/3/2021</a:t>
             </a:fld>
             <a:endParaRPr lang="el-GR"/>
           </a:p>
@@ -7763,7 +7798,7 @@
             <a:fld id="{86F0BDD2-2FE9-4947-8A0F-347E40919148}" type="datetimeFigureOut">
               <a:rPr lang="el-GR" smtClean="0"/>
               <a:pPr/>
-              <a:t>27/2/2021</a:t>
+              <a:t>1/3/2021</a:t>
             </a:fld>
             <a:endParaRPr lang="el-GR"/>
           </a:p>
@@ -8074,7 +8109,7 @@
           <a:p>
             <a:fld id="{86F0BDD2-2FE9-4947-8A0F-347E40919148}" type="datetimeFigureOut">
               <a:rPr lang="el-GR" smtClean="0"/>
-              <a:t>27/2/2021</a:t>
+              <a:t>1/3/2021</a:t>
             </a:fld>
             <a:endParaRPr lang="el-GR"/>
           </a:p>
@@ -8591,7 +8626,7 @@
             <a:fld id="{86F0BDD2-2FE9-4947-8A0F-347E40919148}" type="datetimeFigureOut">
               <a:rPr lang="el-GR" smtClean="0"/>
               <a:pPr/>
-              <a:t>27/2/2021</a:t>
+              <a:t>1/3/2021</a:t>
             </a:fld>
             <a:endParaRPr lang="el-GR">
               <a:latin typeface="Verdana" panose="020B0604030504040204" pitchFamily="34" charset="0"/>
@@ -8798,7 +8833,7 @@
             <a:fld id="{86F0BDD2-2FE9-4947-8A0F-347E40919148}" type="datetimeFigureOut">
               <a:rPr lang="el-GR" smtClean="0"/>
               <a:pPr/>
-              <a:t>27/2/2021</a:t>
+              <a:t>1/3/2021</a:t>
             </a:fld>
             <a:endParaRPr lang="el-GR" sz="1100"/>
           </a:p>
@@ -8946,7 +8981,7 @@
           <a:p>
             <a:fld id="{86F0BDD2-2FE9-4947-8A0F-347E40919148}" type="datetimeFigureOut">
               <a:rPr lang="el-GR" smtClean="0"/>
-              <a:t>27/2/2021</a:t>
+              <a:t>1/3/2021</a:t>
             </a:fld>
             <a:endParaRPr lang="el-GR"/>
           </a:p>
@@ -9308,7 +9343,7 @@
             <a:fld id="{86F0BDD2-2FE9-4947-8A0F-347E40919148}" type="datetimeFigureOut">
               <a:rPr lang="el-GR" smtClean="0"/>
               <a:pPr/>
-              <a:t>27/2/2021</a:t>
+              <a:t>1/3/2021</a:t>
             </a:fld>
             <a:endParaRPr lang="el-GR">
               <a:latin typeface="Verdana" panose="020B0604030504040204" pitchFamily="34" charset="0"/>
@@ -9659,7 +9694,7 @@
             <a:fld id="{86F0BDD2-2FE9-4947-8A0F-347E40919148}" type="datetimeFigureOut">
               <a:rPr lang="el-GR" smtClean="0"/>
               <a:pPr/>
-              <a:t>27/2/2021</a:t>
+              <a:t>1/3/2021</a:t>
             </a:fld>
             <a:endParaRPr lang="el-GR">
               <a:latin typeface="Verdana" panose="020B0604030504040204" pitchFamily="34" charset="0"/>
@@ -9983,7 +10018,7 @@
             <a:fld id="{86F0BDD2-2FE9-4947-8A0F-347E40919148}" type="datetimeFigureOut">
               <a:rPr lang="el-GR" smtClean="0"/>
               <a:pPr/>
-              <a:t>27/2/2021</a:t>
+              <a:t>1/3/2021</a:t>
             </a:fld>
             <a:endParaRPr lang="el-GR"/>
           </a:p>
@@ -10515,31 +10550,7 @@
                 <a:ea typeface="Times New Roman" panose="02020603050405020304" pitchFamily="18" charset="0"/>
                 <a:cs typeface="Times New Roman" panose="02020603050405020304" pitchFamily="18" charset="0"/>
               </a:rPr>
-              <a:t>Lesson </a:t>
-            </a:r>
-            <a:r>
-              <a:rPr lang="el-GR" sz="2800" b="1" kern="0" dirty="0">
-                <a:solidFill>
-                  <a:srgbClr val="2F5496"/>
-                </a:solidFill>
-                <a:effectLst/>
-                <a:latin typeface="Verdana" panose="020B0604030504040204" pitchFamily="34" charset="0"/>
-                <a:ea typeface="Times New Roman" panose="02020603050405020304" pitchFamily="18" charset="0"/>
-                <a:cs typeface="Times New Roman" panose="02020603050405020304" pitchFamily="18" charset="0"/>
-              </a:rPr>
-              <a:t>7</a:t>
-            </a:r>
-            <a:r>
-              <a:rPr lang="en-US" sz="2800" b="1" kern="0" dirty="0">
-                <a:solidFill>
-                  <a:srgbClr val="2F5496"/>
-                </a:solidFill>
-                <a:effectLst/>
-                <a:latin typeface="Verdana" panose="020B0604030504040204" pitchFamily="34" charset="0"/>
-                <a:ea typeface="Times New Roman" panose="02020603050405020304" pitchFamily="18" charset="0"/>
-                <a:cs typeface="Times New Roman" panose="02020603050405020304" pitchFamily="18" charset="0"/>
-              </a:rPr>
-              <a:t> – </a:t>
+              <a:t>Lesson 9 – </a:t>
             </a:r>
             <a:r>
               <a:rPr lang="en-US" sz="2800" b="1" kern="0" dirty="0">
@@ -10549,7 +10560,7 @@
                 <a:ea typeface="Times New Roman" panose="02020603050405020304" pitchFamily="18" charset="0"/>
                 <a:cs typeface="Times New Roman" panose="02020603050405020304" pitchFamily="18" charset="0"/>
               </a:rPr>
-              <a:t>Conditionals</a:t>
+              <a:t>Classes</a:t>
             </a:r>
             <a:endParaRPr lang="el-GR" sz="3600" dirty="0"/>
           </a:p>
@@ -10813,13 +10824,13 @@
   <p:clrMapOvr>
     <a:masterClrMapping/>
   </p:clrMapOvr>
-  <mc:AlternateContent xmlns:mc="http://schemas.openxmlformats.org/markup-compatibility/2006">
-    <mc:Choice xmlns:p14="http://schemas.microsoft.com/office/powerpoint/2010/main" Requires="p14">
+  <mc:AlternateContent xmlns:mc="http://schemas.openxmlformats.org/markup-compatibility/2006" xmlns:p14="http://schemas.microsoft.com/office/powerpoint/2010/main">
+    <mc:Choice Requires="p14">
       <p:transition spd="med" p14:dur="700">
         <p:fade/>
       </p:transition>
     </mc:Choice>
-    <mc:Fallback>
+    <mc:Fallback xmlns="">
       <p:transition spd="med">
         <p:fade/>
       </p:transition>
@@ -11722,13 +11733,13 @@
   <p:clrMapOvr>
     <a:masterClrMapping/>
   </p:clrMapOvr>
-  <mc:AlternateContent xmlns:mc="http://schemas.openxmlformats.org/markup-compatibility/2006">
-    <mc:Choice xmlns:p14="http://schemas.microsoft.com/office/powerpoint/2010/main" Requires="p14">
+  <mc:AlternateContent xmlns:mc="http://schemas.openxmlformats.org/markup-compatibility/2006" xmlns:p14="http://schemas.microsoft.com/office/powerpoint/2010/main">
+    <mc:Choice Requires="p14">
       <p:transition spd="med" p14:dur="700">
         <p:fade/>
       </p:transition>
     </mc:Choice>
-    <mc:Fallback>
+    <mc:Fallback xmlns="">
       <p:transition spd="med">
         <p:fade/>
       </p:transition>
@@ -16581,13 +16592,13 @@
   <p:clrMapOvr>
     <a:masterClrMapping/>
   </p:clrMapOvr>
-  <mc:AlternateContent xmlns:mc="http://schemas.openxmlformats.org/markup-compatibility/2006">
-    <mc:Choice xmlns:p14="http://schemas.microsoft.com/office/powerpoint/2010/main" Requires="p14">
+  <mc:AlternateContent xmlns:mc="http://schemas.openxmlformats.org/markup-compatibility/2006" xmlns:p14="http://schemas.microsoft.com/office/powerpoint/2010/main">
+    <mc:Choice Requires="p14">
       <p:transition spd="med" p14:dur="700">
         <p:fade/>
       </p:transition>
     </mc:Choice>
-    <mc:Fallback>
+    <mc:Fallback xmlns="">
       <p:transition spd="med">
         <p:fade/>
       </p:transition>
@@ -18083,13 +18094,13 @@
   <p:clrMapOvr>
     <a:masterClrMapping/>
   </p:clrMapOvr>
-  <mc:AlternateContent xmlns:mc="http://schemas.openxmlformats.org/markup-compatibility/2006">
-    <mc:Choice xmlns:p14="http://schemas.microsoft.com/office/powerpoint/2010/main" Requires="p14">
+  <mc:AlternateContent xmlns:mc="http://schemas.openxmlformats.org/markup-compatibility/2006" xmlns:p14="http://schemas.microsoft.com/office/powerpoint/2010/main">
+    <mc:Choice Requires="p14">
       <p:transition spd="med" p14:dur="700">
         <p:fade/>
       </p:transition>
     </mc:Choice>
-    <mc:Fallback>
+    <mc:Fallback xmlns="">
       <p:transition spd="med">
         <p:fade/>
       </p:transition>
